--- a/imagework.pptx
+++ b/imagework.pptx
@@ -7,6 +7,8 @@
   <p:sldIdLst>
     <p:sldId id="256" r:id="rId2"/>
     <p:sldId id="257" r:id="rId3"/>
+    <p:sldId id="258" r:id="rId4"/>
+    <p:sldId id="259" r:id="rId5"/>
   </p:sldIdLst>
   <p:sldSz cx="12192000" cy="6858000"/>
   <p:notesSz cx="6858000" cy="9144000"/>
@@ -105,6 +107,11 @@
       </a:defRPr>
     </a:lvl9pPr>
   </p:defaultTextStyle>
+  <p:extLst>
+    <p:ext uri="{EFAFB233-063F-42B5-8137-9DF3F51BA10A}">
+      <p15:sldGuideLst xmlns:p15="http://schemas.microsoft.com/office/powerpoint/2012/main"/>
+    </p:ext>
+  </p:extLst>
 </p:presentation>
 </file>
 
@@ -255,7 +262,7 @@
           <a:p>
             <a:fld id="{FBE0B6B0-198B-4CAF-B603-8A9292896FC6}" type="datetimeFigureOut">
               <a:rPr lang="en-US" smtClean="0"/>
-              <a:t>5/19/2024</a:t>
+              <a:t>8/24/2025</a:t>
             </a:fld>
             <a:endParaRPr lang="en-US"/>
           </a:p>
@@ -453,7 +460,7 @@
           <a:p>
             <a:fld id="{FBE0B6B0-198B-4CAF-B603-8A9292896FC6}" type="datetimeFigureOut">
               <a:rPr lang="en-US" smtClean="0"/>
-              <a:t>5/19/2024</a:t>
+              <a:t>8/24/2025</a:t>
             </a:fld>
             <a:endParaRPr lang="en-US"/>
           </a:p>
@@ -661,7 +668,7 @@
           <a:p>
             <a:fld id="{FBE0B6B0-198B-4CAF-B603-8A9292896FC6}" type="datetimeFigureOut">
               <a:rPr lang="en-US" smtClean="0"/>
-              <a:t>5/19/2024</a:t>
+              <a:t>8/24/2025</a:t>
             </a:fld>
             <a:endParaRPr lang="en-US"/>
           </a:p>
@@ -859,7 +866,7 @@
           <a:p>
             <a:fld id="{FBE0B6B0-198B-4CAF-B603-8A9292896FC6}" type="datetimeFigureOut">
               <a:rPr lang="en-US" smtClean="0"/>
-              <a:t>5/19/2024</a:t>
+              <a:t>8/24/2025</a:t>
             </a:fld>
             <a:endParaRPr lang="en-US"/>
           </a:p>
@@ -1134,7 +1141,7 @@
           <a:p>
             <a:fld id="{FBE0B6B0-198B-4CAF-B603-8A9292896FC6}" type="datetimeFigureOut">
               <a:rPr lang="en-US" smtClean="0"/>
-              <a:t>5/19/2024</a:t>
+              <a:t>8/24/2025</a:t>
             </a:fld>
             <a:endParaRPr lang="en-US"/>
           </a:p>
@@ -1399,7 +1406,7 @@
           <a:p>
             <a:fld id="{FBE0B6B0-198B-4CAF-B603-8A9292896FC6}" type="datetimeFigureOut">
               <a:rPr lang="en-US" smtClean="0"/>
-              <a:t>5/19/2024</a:t>
+              <a:t>8/24/2025</a:t>
             </a:fld>
             <a:endParaRPr lang="en-US"/>
           </a:p>
@@ -1811,7 +1818,7 @@
           <a:p>
             <a:fld id="{FBE0B6B0-198B-4CAF-B603-8A9292896FC6}" type="datetimeFigureOut">
               <a:rPr lang="en-US" smtClean="0"/>
-              <a:t>5/19/2024</a:t>
+              <a:t>8/24/2025</a:t>
             </a:fld>
             <a:endParaRPr lang="en-US"/>
           </a:p>
@@ -1952,7 +1959,7 @@
           <a:p>
             <a:fld id="{FBE0B6B0-198B-4CAF-B603-8A9292896FC6}" type="datetimeFigureOut">
               <a:rPr lang="en-US" smtClean="0"/>
-              <a:t>5/19/2024</a:t>
+              <a:t>8/24/2025</a:t>
             </a:fld>
             <a:endParaRPr lang="en-US"/>
           </a:p>
@@ -2065,7 +2072,7 @@
           <a:p>
             <a:fld id="{FBE0B6B0-198B-4CAF-B603-8A9292896FC6}" type="datetimeFigureOut">
               <a:rPr lang="en-US" smtClean="0"/>
-              <a:t>5/19/2024</a:t>
+              <a:t>8/24/2025</a:t>
             </a:fld>
             <a:endParaRPr lang="en-US"/>
           </a:p>
@@ -2376,7 +2383,7 @@
           <a:p>
             <a:fld id="{FBE0B6B0-198B-4CAF-B603-8A9292896FC6}" type="datetimeFigureOut">
               <a:rPr lang="en-US" smtClean="0"/>
-              <a:t>5/19/2024</a:t>
+              <a:t>8/24/2025</a:t>
             </a:fld>
             <a:endParaRPr lang="en-US"/>
           </a:p>
@@ -2664,7 +2671,7 @@
           <a:p>
             <a:fld id="{FBE0B6B0-198B-4CAF-B603-8A9292896FC6}" type="datetimeFigureOut">
               <a:rPr lang="en-US" smtClean="0"/>
-              <a:t>5/19/2024</a:t>
+              <a:t>8/24/2025</a:t>
             </a:fld>
             <a:endParaRPr lang="en-US"/>
           </a:p>
@@ -2905,7 +2912,7 @@
           <a:p>
             <a:fld id="{FBE0B6B0-198B-4CAF-B603-8A9292896FC6}" type="datetimeFigureOut">
               <a:rPr lang="en-US" smtClean="0"/>
-              <a:t>5/19/2024</a:t>
+              <a:t>8/24/2025</a:t>
             </a:fld>
             <a:endParaRPr lang="en-US"/>
           </a:p>
@@ -3780,6 +3787,720 @@
 </p:sld>
 </file>
 
+<file path=ppt/slides/slide3.xml><?xml version="1.0" encoding="utf-8"?>
+<p:sld xmlns:a="http://schemas.openxmlformats.org/drawingml/2006/main" xmlns:r="http://schemas.openxmlformats.org/officeDocument/2006/relationships" xmlns:p="http://schemas.openxmlformats.org/presentationml/2006/main">
+  <p:cSld>
+    <p:spTree>
+      <p:nvGrpSpPr>
+        <p:cNvPr id="1" name=""/>
+        <p:cNvGrpSpPr/>
+        <p:nvPr/>
+      </p:nvGrpSpPr>
+      <p:grpSpPr>
+        <a:xfrm>
+          <a:off x="0" y="0"/>
+          <a:ext cx="0" cy="0"/>
+          <a:chOff x="0" y="0"/>
+          <a:chExt cx="0" cy="0"/>
+        </a:xfrm>
+      </p:grpSpPr>
+      <p:pic>
+        <p:nvPicPr>
+          <p:cNvPr id="5" name="Picture 4">
+            <a:extLst>
+              <a:ext uri="{FF2B5EF4-FFF2-40B4-BE49-F238E27FC236}">
+                <a16:creationId xmlns:a16="http://schemas.microsoft.com/office/drawing/2014/main" id="{82AB0B20-DA1C-4CF1-940F-8ADF2288E964}"/>
+              </a:ext>
+            </a:extLst>
+          </p:cNvPr>
+          <p:cNvPicPr>
+            <a:picLocks noChangeAspect="1"/>
+          </p:cNvPicPr>
+          <p:nvPr/>
+        </p:nvPicPr>
+        <p:blipFill>
+          <a:blip r:embed="rId2">
+            <a:extLst>
+              <a:ext uri="{28A0092B-C50C-407E-A947-70E740481C1C}">
+                <a14:useLocalDpi xmlns:a14="http://schemas.microsoft.com/office/drawing/2010/main" val="0"/>
+              </a:ext>
+            </a:extLst>
+          </a:blip>
+          <a:stretch>
+            <a:fillRect/>
+          </a:stretch>
+        </p:blipFill>
+        <p:spPr>
+          <a:xfrm>
+            <a:off x="1864971" y="322780"/>
+            <a:ext cx="7659169" cy="2019582"/>
+          </a:xfrm>
+          <a:prstGeom prst="rect">
+            <a:avLst/>
+          </a:prstGeom>
+        </p:spPr>
+      </p:pic>
+      <p:pic>
+        <p:nvPicPr>
+          <p:cNvPr id="7" name="Picture 6">
+            <a:extLst>
+              <a:ext uri="{FF2B5EF4-FFF2-40B4-BE49-F238E27FC236}">
+                <a16:creationId xmlns:a16="http://schemas.microsoft.com/office/drawing/2014/main" id="{86091D80-8FEC-4FDE-B1A2-59EE99BBE48E}"/>
+              </a:ext>
+            </a:extLst>
+          </p:cNvPr>
+          <p:cNvPicPr>
+            <a:picLocks noChangeAspect="1"/>
+          </p:cNvPicPr>
+          <p:nvPr/>
+        </p:nvPicPr>
+        <p:blipFill>
+          <a:blip r:embed="rId2">
+            <a:extLst>
+              <a:ext uri="{28A0092B-C50C-407E-A947-70E740481C1C}">
+                <a14:useLocalDpi xmlns:a14="http://schemas.microsoft.com/office/drawing/2010/main" val="0"/>
+              </a:ext>
+            </a:extLst>
+          </a:blip>
+          <a:stretch>
+            <a:fillRect/>
+          </a:stretch>
+        </p:blipFill>
+        <p:spPr>
+          <a:xfrm>
+            <a:off x="1864971" y="2342362"/>
+            <a:ext cx="7659169" cy="2019582"/>
+          </a:xfrm>
+          <a:prstGeom prst="rect">
+            <a:avLst/>
+          </a:prstGeom>
+        </p:spPr>
+      </p:pic>
+      <p:pic>
+        <p:nvPicPr>
+          <p:cNvPr id="9" name="Picture 8">
+            <a:extLst>
+              <a:ext uri="{FF2B5EF4-FFF2-40B4-BE49-F238E27FC236}">
+                <a16:creationId xmlns:a16="http://schemas.microsoft.com/office/drawing/2014/main" id="{2A9D7110-D0F8-4C71-9F2B-C6984CBE6B5F}"/>
+              </a:ext>
+            </a:extLst>
+          </p:cNvPr>
+          <p:cNvPicPr>
+            <a:picLocks noChangeAspect="1"/>
+          </p:cNvPicPr>
+          <p:nvPr/>
+        </p:nvPicPr>
+        <p:blipFill>
+          <a:blip r:embed="rId2">
+            <a:extLst>
+              <a:ext uri="{28A0092B-C50C-407E-A947-70E740481C1C}">
+                <a14:useLocalDpi xmlns:a14="http://schemas.microsoft.com/office/drawing/2010/main" val="0"/>
+              </a:ext>
+            </a:extLst>
+          </a:blip>
+          <a:stretch>
+            <a:fillRect/>
+          </a:stretch>
+        </p:blipFill>
+        <p:spPr>
+          <a:xfrm>
+            <a:off x="1864971" y="4361944"/>
+            <a:ext cx="7659169" cy="2019582"/>
+          </a:xfrm>
+          <a:prstGeom prst="rect">
+            <a:avLst/>
+          </a:prstGeom>
+        </p:spPr>
+      </p:pic>
+    </p:spTree>
+    <p:extLst>
+      <p:ext uri="{BB962C8B-B14F-4D97-AF65-F5344CB8AC3E}">
+        <p14:creationId xmlns:p14="http://schemas.microsoft.com/office/powerpoint/2010/main" val="3002749238"/>
+      </p:ext>
+    </p:extLst>
+  </p:cSld>
+  <p:clrMapOvr>
+    <a:masterClrMapping/>
+  </p:clrMapOvr>
+</p:sld>
+</file>
+
+<file path=ppt/slides/slide4.xml><?xml version="1.0" encoding="utf-8"?>
+<p:sld xmlns:a="http://schemas.openxmlformats.org/drawingml/2006/main" xmlns:r="http://schemas.openxmlformats.org/officeDocument/2006/relationships" xmlns:p="http://schemas.openxmlformats.org/presentationml/2006/main">
+  <p:cSld>
+    <p:spTree>
+      <p:nvGrpSpPr>
+        <p:cNvPr id="1" name=""/>
+        <p:cNvGrpSpPr/>
+        <p:nvPr/>
+      </p:nvGrpSpPr>
+      <p:grpSpPr>
+        <a:xfrm>
+          <a:off x="0" y="0"/>
+          <a:ext cx="0" cy="0"/>
+          <a:chOff x="0" y="0"/>
+          <a:chExt cx="0" cy="0"/>
+        </a:xfrm>
+      </p:grpSpPr>
+      <p:grpSp>
+        <p:nvGrpSpPr>
+          <p:cNvPr id="8" name="Group 7">
+            <a:extLst>
+              <a:ext uri="{FF2B5EF4-FFF2-40B4-BE49-F238E27FC236}">
+                <a16:creationId xmlns:a16="http://schemas.microsoft.com/office/drawing/2014/main" id="{256ACA81-3085-4B52-BD4D-73A0AB2956E6}"/>
+              </a:ext>
+            </a:extLst>
+          </p:cNvPr>
+          <p:cNvGrpSpPr/>
+          <p:nvPr/>
+        </p:nvGrpSpPr>
+        <p:grpSpPr>
+          <a:xfrm>
+            <a:off x="791737" y="334535"/>
+            <a:ext cx="2888166" cy="1840558"/>
+            <a:chOff x="3657600" y="1014759"/>
+            <a:chExt cx="2888166" cy="1840558"/>
+          </a:xfrm>
+        </p:grpSpPr>
+        <p:pic>
+          <p:nvPicPr>
+            <p:cNvPr id="5" name="Picture 4">
+              <a:extLst>
+                <a:ext uri="{FF2B5EF4-FFF2-40B4-BE49-F238E27FC236}">
+                  <a16:creationId xmlns:a16="http://schemas.microsoft.com/office/drawing/2014/main" id="{A57E5E29-8CA7-442B-89B4-DF83E26DBBBA}"/>
+                </a:ext>
+              </a:extLst>
+            </p:cNvPr>
+            <p:cNvPicPr>
+              <a:picLocks noChangeAspect="1"/>
+            </p:cNvPicPr>
+            <p:nvPr/>
+          </p:nvPicPr>
+          <p:blipFill rotWithShape="1">
+            <a:blip r:embed="rId2">
+              <a:extLst>
+                <a:ext uri="{28A0092B-C50C-407E-A947-70E740481C1C}">
+                  <a14:useLocalDpi xmlns:a14="http://schemas.microsoft.com/office/drawing/2010/main" val="0"/>
+                </a:ext>
+              </a:extLst>
+            </a:blip>
+            <a:srcRect l="19329" t="24325" r="63637"/>
+            <a:stretch/>
+          </p:blipFill>
+          <p:spPr>
+            <a:xfrm>
+              <a:off x="3657600" y="1222493"/>
+              <a:ext cx="1393902" cy="1632824"/>
+            </a:xfrm>
+            <a:prstGeom prst="rect">
+              <a:avLst/>
+            </a:prstGeom>
+          </p:spPr>
+        </p:pic>
+        <p:pic>
+          <p:nvPicPr>
+            <p:cNvPr id="7" name="Picture 6">
+              <a:extLst>
+                <a:ext uri="{FF2B5EF4-FFF2-40B4-BE49-F238E27FC236}">
+                  <a16:creationId xmlns:a16="http://schemas.microsoft.com/office/drawing/2014/main" id="{BF8FE775-1DEC-46CA-B131-EE0BAADBA424}"/>
+                </a:ext>
+              </a:extLst>
+            </p:cNvPr>
+            <p:cNvPicPr>
+              <a:picLocks noChangeAspect="1"/>
+            </p:cNvPicPr>
+            <p:nvPr/>
+          </p:nvPicPr>
+          <p:blipFill rotWithShape="1">
+            <a:blip r:embed="rId2">
+              <a:extLst>
+                <a:ext uri="{28A0092B-C50C-407E-A947-70E740481C1C}">
+                  <a14:useLocalDpi xmlns:a14="http://schemas.microsoft.com/office/drawing/2010/main" val="0"/>
+                </a:ext>
+              </a:extLst>
+            </a:blip>
+            <a:srcRect l="65384" t="13833" r="15106" b="5522"/>
+            <a:stretch/>
+          </p:blipFill>
+          <p:spPr>
+            <a:xfrm>
+              <a:off x="5051502" y="1014759"/>
+              <a:ext cx="1494264" cy="1739591"/>
+            </a:xfrm>
+            <a:prstGeom prst="rect">
+              <a:avLst/>
+            </a:prstGeom>
+          </p:spPr>
+        </p:pic>
+      </p:grpSp>
+      <p:grpSp>
+        <p:nvGrpSpPr>
+          <p:cNvPr id="10" name="Group 9">
+            <a:extLst>
+              <a:ext uri="{FF2B5EF4-FFF2-40B4-BE49-F238E27FC236}">
+                <a16:creationId xmlns:a16="http://schemas.microsoft.com/office/drawing/2014/main" id="{112AD72A-E084-4114-973C-85CDD4267F20}"/>
+              </a:ext>
+            </a:extLst>
+          </p:cNvPr>
+          <p:cNvGrpSpPr/>
+          <p:nvPr/>
+        </p:nvGrpSpPr>
+        <p:grpSpPr>
+          <a:xfrm>
+            <a:off x="791737" y="1903140"/>
+            <a:ext cx="2888166" cy="1840558"/>
+            <a:chOff x="3657600" y="1014759"/>
+            <a:chExt cx="2888166" cy="1840558"/>
+          </a:xfrm>
+        </p:grpSpPr>
+        <p:pic>
+          <p:nvPicPr>
+            <p:cNvPr id="11" name="Picture 10">
+              <a:extLst>
+                <a:ext uri="{FF2B5EF4-FFF2-40B4-BE49-F238E27FC236}">
+                  <a16:creationId xmlns:a16="http://schemas.microsoft.com/office/drawing/2014/main" id="{D199D9E8-7F1B-454B-8ECA-DE1A0E61AD8F}"/>
+                </a:ext>
+              </a:extLst>
+            </p:cNvPr>
+            <p:cNvPicPr>
+              <a:picLocks noChangeAspect="1"/>
+            </p:cNvPicPr>
+            <p:nvPr/>
+          </p:nvPicPr>
+          <p:blipFill rotWithShape="1">
+            <a:blip r:embed="rId2">
+              <a:extLst>
+                <a:ext uri="{28A0092B-C50C-407E-A947-70E740481C1C}">
+                  <a14:useLocalDpi xmlns:a14="http://schemas.microsoft.com/office/drawing/2010/main" val="0"/>
+                </a:ext>
+              </a:extLst>
+            </a:blip>
+            <a:srcRect l="19329" t="24325" r="63637"/>
+            <a:stretch/>
+          </p:blipFill>
+          <p:spPr>
+            <a:xfrm>
+              <a:off x="3657600" y="1222493"/>
+              <a:ext cx="1393902" cy="1632824"/>
+            </a:xfrm>
+            <a:prstGeom prst="rect">
+              <a:avLst/>
+            </a:prstGeom>
+          </p:spPr>
+        </p:pic>
+        <p:pic>
+          <p:nvPicPr>
+            <p:cNvPr id="12" name="Picture 11">
+              <a:extLst>
+                <a:ext uri="{FF2B5EF4-FFF2-40B4-BE49-F238E27FC236}">
+                  <a16:creationId xmlns:a16="http://schemas.microsoft.com/office/drawing/2014/main" id="{A22FE27F-3556-4D85-AAC5-4AAE99DB5627}"/>
+                </a:ext>
+              </a:extLst>
+            </p:cNvPr>
+            <p:cNvPicPr>
+              <a:picLocks noChangeAspect="1"/>
+            </p:cNvPicPr>
+            <p:nvPr/>
+          </p:nvPicPr>
+          <p:blipFill rotWithShape="1">
+            <a:blip r:embed="rId2">
+              <a:extLst>
+                <a:ext uri="{28A0092B-C50C-407E-A947-70E740481C1C}">
+                  <a14:useLocalDpi xmlns:a14="http://schemas.microsoft.com/office/drawing/2010/main" val="0"/>
+                </a:ext>
+              </a:extLst>
+            </a:blip>
+            <a:srcRect l="65384" t="13833" r="15106" b="5522"/>
+            <a:stretch/>
+          </p:blipFill>
+          <p:spPr>
+            <a:xfrm>
+              <a:off x="5051502" y="1014759"/>
+              <a:ext cx="1494264" cy="1739591"/>
+            </a:xfrm>
+            <a:prstGeom prst="rect">
+              <a:avLst/>
+            </a:prstGeom>
+          </p:spPr>
+        </p:pic>
+      </p:grpSp>
+      <p:grpSp>
+        <p:nvGrpSpPr>
+          <p:cNvPr id="13" name="Group 12">
+            <a:extLst>
+              <a:ext uri="{FF2B5EF4-FFF2-40B4-BE49-F238E27FC236}">
+                <a16:creationId xmlns:a16="http://schemas.microsoft.com/office/drawing/2014/main" id="{58117B0D-A3AF-4ABD-BBEE-723DF677484B}"/>
+              </a:ext>
+            </a:extLst>
+          </p:cNvPr>
+          <p:cNvGrpSpPr/>
+          <p:nvPr/>
+        </p:nvGrpSpPr>
+        <p:grpSpPr>
+          <a:xfrm>
+            <a:off x="791737" y="3471745"/>
+            <a:ext cx="2888166" cy="1840558"/>
+            <a:chOff x="3657600" y="1014759"/>
+            <a:chExt cx="2888166" cy="1840558"/>
+          </a:xfrm>
+        </p:grpSpPr>
+        <p:pic>
+          <p:nvPicPr>
+            <p:cNvPr id="14" name="Picture 13">
+              <a:extLst>
+                <a:ext uri="{FF2B5EF4-FFF2-40B4-BE49-F238E27FC236}">
+                  <a16:creationId xmlns:a16="http://schemas.microsoft.com/office/drawing/2014/main" id="{888C9D75-64D9-47D0-9A77-D833DEC63EE6}"/>
+                </a:ext>
+              </a:extLst>
+            </p:cNvPr>
+            <p:cNvPicPr>
+              <a:picLocks noChangeAspect="1"/>
+            </p:cNvPicPr>
+            <p:nvPr/>
+          </p:nvPicPr>
+          <p:blipFill rotWithShape="1">
+            <a:blip r:embed="rId2">
+              <a:extLst>
+                <a:ext uri="{28A0092B-C50C-407E-A947-70E740481C1C}">
+                  <a14:useLocalDpi xmlns:a14="http://schemas.microsoft.com/office/drawing/2010/main" val="0"/>
+                </a:ext>
+              </a:extLst>
+            </a:blip>
+            <a:srcRect l="19329" t="24325" r="63637"/>
+            <a:stretch/>
+          </p:blipFill>
+          <p:spPr>
+            <a:xfrm>
+              <a:off x="3657600" y="1222493"/>
+              <a:ext cx="1393902" cy="1632824"/>
+            </a:xfrm>
+            <a:prstGeom prst="rect">
+              <a:avLst/>
+            </a:prstGeom>
+          </p:spPr>
+        </p:pic>
+        <p:pic>
+          <p:nvPicPr>
+            <p:cNvPr id="15" name="Picture 14">
+              <a:extLst>
+                <a:ext uri="{FF2B5EF4-FFF2-40B4-BE49-F238E27FC236}">
+                  <a16:creationId xmlns:a16="http://schemas.microsoft.com/office/drawing/2014/main" id="{A675A609-8CD9-43FF-8186-4608CCB2CAE0}"/>
+                </a:ext>
+              </a:extLst>
+            </p:cNvPr>
+            <p:cNvPicPr>
+              <a:picLocks noChangeAspect="1"/>
+            </p:cNvPicPr>
+            <p:nvPr/>
+          </p:nvPicPr>
+          <p:blipFill rotWithShape="1">
+            <a:blip r:embed="rId2">
+              <a:extLst>
+                <a:ext uri="{28A0092B-C50C-407E-A947-70E740481C1C}">
+                  <a14:useLocalDpi xmlns:a14="http://schemas.microsoft.com/office/drawing/2010/main" val="0"/>
+                </a:ext>
+              </a:extLst>
+            </a:blip>
+            <a:srcRect l="65384" t="13833" r="15106" b="5522"/>
+            <a:stretch/>
+          </p:blipFill>
+          <p:spPr>
+            <a:xfrm>
+              <a:off x="5051502" y="1014759"/>
+              <a:ext cx="1494264" cy="1739591"/>
+            </a:xfrm>
+            <a:prstGeom prst="rect">
+              <a:avLst/>
+            </a:prstGeom>
+          </p:spPr>
+        </p:pic>
+      </p:grpSp>
+      <p:grpSp>
+        <p:nvGrpSpPr>
+          <p:cNvPr id="16" name="Group 15">
+            <a:extLst>
+              <a:ext uri="{FF2B5EF4-FFF2-40B4-BE49-F238E27FC236}">
+                <a16:creationId xmlns:a16="http://schemas.microsoft.com/office/drawing/2014/main" id="{4D70BD3D-8113-4241-BD50-BEC4F2EA1649}"/>
+              </a:ext>
+            </a:extLst>
+          </p:cNvPr>
+          <p:cNvGrpSpPr/>
+          <p:nvPr/>
+        </p:nvGrpSpPr>
+        <p:grpSpPr>
+          <a:xfrm>
+            <a:off x="3679903" y="334535"/>
+            <a:ext cx="2888166" cy="1840558"/>
+            <a:chOff x="3657600" y="1014759"/>
+            <a:chExt cx="2888166" cy="1840558"/>
+          </a:xfrm>
+        </p:grpSpPr>
+        <p:pic>
+          <p:nvPicPr>
+            <p:cNvPr id="17" name="Picture 16">
+              <a:extLst>
+                <a:ext uri="{FF2B5EF4-FFF2-40B4-BE49-F238E27FC236}">
+                  <a16:creationId xmlns:a16="http://schemas.microsoft.com/office/drawing/2014/main" id="{CE55B8F3-E532-41C1-9BEA-E4A79763814F}"/>
+                </a:ext>
+              </a:extLst>
+            </p:cNvPr>
+            <p:cNvPicPr>
+              <a:picLocks noChangeAspect="1"/>
+            </p:cNvPicPr>
+            <p:nvPr/>
+          </p:nvPicPr>
+          <p:blipFill rotWithShape="1">
+            <a:blip r:embed="rId2">
+              <a:extLst>
+                <a:ext uri="{28A0092B-C50C-407E-A947-70E740481C1C}">
+                  <a14:useLocalDpi xmlns:a14="http://schemas.microsoft.com/office/drawing/2010/main" val="0"/>
+                </a:ext>
+              </a:extLst>
+            </a:blip>
+            <a:srcRect l="19329" t="24325" r="63637"/>
+            <a:stretch/>
+          </p:blipFill>
+          <p:spPr>
+            <a:xfrm>
+              <a:off x="3657600" y="1222493"/>
+              <a:ext cx="1393902" cy="1632824"/>
+            </a:xfrm>
+            <a:prstGeom prst="rect">
+              <a:avLst/>
+            </a:prstGeom>
+          </p:spPr>
+        </p:pic>
+        <p:pic>
+          <p:nvPicPr>
+            <p:cNvPr id="18" name="Picture 17">
+              <a:extLst>
+                <a:ext uri="{FF2B5EF4-FFF2-40B4-BE49-F238E27FC236}">
+                  <a16:creationId xmlns:a16="http://schemas.microsoft.com/office/drawing/2014/main" id="{4097B06A-4089-436F-879B-CD7DCE23DE26}"/>
+                </a:ext>
+              </a:extLst>
+            </p:cNvPr>
+            <p:cNvPicPr>
+              <a:picLocks noChangeAspect="1"/>
+            </p:cNvPicPr>
+            <p:nvPr/>
+          </p:nvPicPr>
+          <p:blipFill rotWithShape="1">
+            <a:blip r:embed="rId2">
+              <a:extLst>
+                <a:ext uri="{28A0092B-C50C-407E-A947-70E740481C1C}">
+                  <a14:useLocalDpi xmlns:a14="http://schemas.microsoft.com/office/drawing/2010/main" val="0"/>
+                </a:ext>
+              </a:extLst>
+            </a:blip>
+            <a:srcRect l="65384" t="13833" r="15106" b="5522"/>
+            <a:stretch/>
+          </p:blipFill>
+          <p:spPr>
+            <a:xfrm>
+              <a:off x="5051502" y="1014759"/>
+              <a:ext cx="1494264" cy="1739591"/>
+            </a:xfrm>
+            <a:prstGeom prst="rect">
+              <a:avLst/>
+            </a:prstGeom>
+          </p:spPr>
+        </p:pic>
+      </p:grpSp>
+      <p:grpSp>
+        <p:nvGrpSpPr>
+          <p:cNvPr id="19" name="Group 18">
+            <a:extLst>
+              <a:ext uri="{FF2B5EF4-FFF2-40B4-BE49-F238E27FC236}">
+                <a16:creationId xmlns:a16="http://schemas.microsoft.com/office/drawing/2014/main" id="{E4821D02-361C-4DC4-9CB6-CBF01CA52441}"/>
+              </a:ext>
+            </a:extLst>
+          </p:cNvPr>
+          <p:cNvGrpSpPr/>
+          <p:nvPr/>
+        </p:nvGrpSpPr>
+        <p:grpSpPr>
+          <a:xfrm>
+            <a:off x="3629722" y="1903140"/>
+            <a:ext cx="2888166" cy="1840558"/>
+            <a:chOff x="3657600" y="1014759"/>
+            <a:chExt cx="2888166" cy="1840558"/>
+          </a:xfrm>
+        </p:grpSpPr>
+        <p:pic>
+          <p:nvPicPr>
+            <p:cNvPr id="20" name="Picture 19">
+              <a:extLst>
+                <a:ext uri="{FF2B5EF4-FFF2-40B4-BE49-F238E27FC236}">
+                  <a16:creationId xmlns:a16="http://schemas.microsoft.com/office/drawing/2014/main" id="{40E201E0-DC7B-48DA-8B06-55A577D4B6FE}"/>
+                </a:ext>
+              </a:extLst>
+            </p:cNvPr>
+            <p:cNvPicPr>
+              <a:picLocks noChangeAspect="1"/>
+            </p:cNvPicPr>
+            <p:nvPr/>
+          </p:nvPicPr>
+          <p:blipFill rotWithShape="1">
+            <a:blip r:embed="rId2">
+              <a:extLst>
+                <a:ext uri="{28A0092B-C50C-407E-A947-70E740481C1C}">
+                  <a14:useLocalDpi xmlns:a14="http://schemas.microsoft.com/office/drawing/2010/main" val="0"/>
+                </a:ext>
+              </a:extLst>
+            </a:blip>
+            <a:srcRect l="19329" t="24325" r="63637"/>
+            <a:stretch/>
+          </p:blipFill>
+          <p:spPr>
+            <a:xfrm>
+              <a:off x="3657600" y="1222493"/>
+              <a:ext cx="1393902" cy="1632824"/>
+            </a:xfrm>
+            <a:prstGeom prst="rect">
+              <a:avLst/>
+            </a:prstGeom>
+          </p:spPr>
+        </p:pic>
+        <p:pic>
+          <p:nvPicPr>
+            <p:cNvPr id="21" name="Picture 20">
+              <a:extLst>
+                <a:ext uri="{FF2B5EF4-FFF2-40B4-BE49-F238E27FC236}">
+                  <a16:creationId xmlns:a16="http://schemas.microsoft.com/office/drawing/2014/main" id="{80E21433-934B-4B91-AD25-49FD1C8D6C06}"/>
+                </a:ext>
+              </a:extLst>
+            </p:cNvPr>
+            <p:cNvPicPr>
+              <a:picLocks noChangeAspect="1"/>
+            </p:cNvPicPr>
+            <p:nvPr/>
+          </p:nvPicPr>
+          <p:blipFill rotWithShape="1">
+            <a:blip r:embed="rId2">
+              <a:extLst>
+                <a:ext uri="{28A0092B-C50C-407E-A947-70E740481C1C}">
+                  <a14:useLocalDpi xmlns:a14="http://schemas.microsoft.com/office/drawing/2010/main" val="0"/>
+                </a:ext>
+              </a:extLst>
+            </a:blip>
+            <a:srcRect l="65384" t="13833" r="15106" b="5522"/>
+            <a:stretch/>
+          </p:blipFill>
+          <p:spPr>
+            <a:xfrm>
+              <a:off x="5051502" y="1014759"/>
+              <a:ext cx="1494264" cy="1739591"/>
+            </a:xfrm>
+            <a:prstGeom prst="rect">
+              <a:avLst/>
+            </a:prstGeom>
+          </p:spPr>
+        </p:pic>
+      </p:grpSp>
+      <p:grpSp>
+        <p:nvGrpSpPr>
+          <p:cNvPr id="22" name="Group 21">
+            <a:extLst>
+              <a:ext uri="{FF2B5EF4-FFF2-40B4-BE49-F238E27FC236}">
+                <a16:creationId xmlns:a16="http://schemas.microsoft.com/office/drawing/2014/main" id="{9C9AF98F-7281-472A-94BE-446DC84581C9}"/>
+              </a:ext>
+            </a:extLst>
+          </p:cNvPr>
+          <p:cNvGrpSpPr/>
+          <p:nvPr/>
+        </p:nvGrpSpPr>
+        <p:grpSpPr>
+          <a:xfrm>
+            <a:off x="3679903" y="3524735"/>
+            <a:ext cx="2888166" cy="1840558"/>
+            <a:chOff x="3657600" y="1014759"/>
+            <a:chExt cx="2888166" cy="1840558"/>
+          </a:xfrm>
+        </p:grpSpPr>
+        <p:pic>
+          <p:nvPicPr>
+            <p:cNvPr id="23" name="Picture 22">
+              <a:extLst>
+                <a:ext uri="{FF2B5EF4-FFF2-40B4-BE49-F238E27FC236}">
+                  <a16:creationId xmlns:a16="http://schemas.microsoft.com/office/drawing/2014/main" id="{6AC1E3AC-0DF0-4A3D-B660-CCECAC4C630A}"/>
+                </a:ext>
+              </a:extLst>
+            </p:cNvPr>
+            <p:cNvPicPr>
+              <a:picLocks noChangeAspect="1"/>
+            </p:cNvPicPr>
+            <p:nvPr/>
+          </p:nvPicPr>
+          <p:blipFill rotWithShape="1">
+            <a:blip r:embed="rId2">
+              <a:extLst>
+                <a:ext uri="{28A0092B-C50C-407E-A947-70E740481C1C}">
+                  <a14:useLocalDpi xmlns:a14="http://schemas.microsoft.com/office/drawing/2010/main" val="0"/>
+                </a:ext>
+              </a:extLst>
+            </a:blip>
+            <a:srcRect l="19329" t="24325" r="63637"/>
+            <a:stretch/>
+          </p:blipFill>
+          <p:spPr>
+            <a:xfrm>
+              <a:off x="3657600" y="1222493"/>
+              <a:ext cx="1393902" cy="1632824"/>
+            </a:xfrm>
+            <a:prstGeom prst="rect">
+              <a:avLst/>
+            </a:prstGeom>
+          </p:spPr>
+        </p:pic>
+        <p:pic>
+          <p:nvPicPr>
+            <p:cNvPr id="24" name="Picture 23">
+              <a:extLst>
+                <a:ext uri="{FF2B5EF4-FFF2-40B4-BE49-F238E27FC236}">
+                  <a16:creationId xmlns:a16="http://schemas.microsoft.com/office/drawing/2014/main" id="{32833B8D-0147-4D95-9D49-8FAA3F97890F}"/>
+                </a:ext>
+              </a:extLst>
+            </p:cNvPr>
+            <p:cNvPicPr>
+              <a:picLocks noChangeAspect="1"/>
+            </p:cNvPicPr>
+            <p:nvPr/>
+          </p:nvPicPr>
+          <p:blipFill rotWithShape="1">
+            <a:blip r:embed="rId2">
+              <a:extLst>
+                <a:ext uri="{28A0092B-C50C-407E-A947-70E740481C1C}">
+                  <a14:useLocalDpi xmlns:a14="http://schemas.microsoft.com/office/drawing/2010/main" val="0"/>
+                </a:ext>
+              </a:extLst>
+            </a:blip>
+            <a:srcRect l="65384" t="13833" r="15106" b="5522"/>
+            <a:stretch/>
+          </p:blipFill>
+          <p:spPr>
+            <a:xfrm>
+              <a:off x="5051502" y="1014759"/>
+              <a:ext cx="1494264" cy="1739591"/>
+            </a:xfrm>
+            <a:prstGeom prst="rect">
+              <a:avLst/>
+            </a:prstGeom>
+          </p:spPr>
+        </p:pic>
+      </p:grpSp>
+    </p:spTree>
+    <p:extLst>
+      <p:ext uri="{BB962C8B-B14F-4D97-AF65-F5344CB8AC3E}">
+        <p14:creationId xmlns:p14="http://schemas.microsoft.com/office/powerpoint/2010/main" val="251488084"/>
+      </p:ext>
+    </p:extLst>
+  </p:cSld>
+  <p:clrMapOvr>
+    <a:masterClrMapping/>
+  </p:clrMapOvr>
+</p:sld>
+</file>
+
 <file path=ppt/theme/theme1.xml><?xml version="1.0" encoding="utf-8"?>
 <a:theme xmlns:a="http://schemas.openxmlformats.org/drawingml/2006/main" name="Office Theme">
   <a:themeElements>
